--- a/lectures/NSP_l7. Docker_basics.pptx
+++ b/lectures/NSP_l7. Docker_basics.pptx
@@ -3272,7 +3272,7 @@
         <p:spPr>
           <a:xfrm>
             <a:off x="505800" y="1766880"/>
-            <a:ext cx="9068400" cy="2136240"/>
+            <a:ext cx="9068040" cy="2135880"/>
           </a:xfrm>
           <a:prstGeom prst="rect">
             <a:avLst/>
@@ -3364,7 +3364,7 @@
         <p:spPr>
           <a:xfrm>
             <a:off x="504000" y="226080"/>
-            <a:ext cx="9068400" cy="943200"/>
+            <a:ext cx="9068040" cy="942840"/>
           </a:xfrm>
           <a:prstGeom prst="rect">
             <a:avLst/>
@@ -3415,7 +3415,7 @@
         <p:spPr>
           <a:xfrm>
             <a:off x="504000" y="1326600"/>
-            <a:ext cx="9068400" cy="3285000"/>
+            <a:ext cx="9068040" cy="3284640"/>
           </a:xfrm>
           <a:prstGeom prst="rect">
             <a:avLst/>
@@ -3466,7 +3466,7 @@
         <p:spPr>
           <a:xfrm>
             <a:off x="349920" y="1440000"/>
-            <a:ext cx="9730080" cy="3580200"/>
+            <a:ext cx="9729720" cy="3579840"/>
           </a:xfrm>
           <a:prstGeom prst="rect">
             <a:avLst/>
@@ -3497,7 +3497,7 @@
             </a:endParaRPr>
           </a:p>
           <a:p>
-            <a:pPr marL="216000" indent="-215280">
+            <a:pPr marL="216000" indent="-214920">
               <a:lnSpc>
                 <a:spcPct val="115000"/>
               </a:lnSpc>
@@ -3533,7 +3533,7 @@
             </a:endParaRPr>
           </a:p>
           <a:p>
-            <a:pPr marL="216000" indent="-215280">
+            <a:pPr marL="216000" indent="-214920">
               <a:lnSpc>
                 <a:spcPct val="115000"/>
               </a:lnSpc>
@@ -3569,7 +3569,7 @@
             </a:endParaRPr>
           </a:p>
           <a:p>
-            <a:pPr marL="216000" indent="-215280">
+            <a:pPr marL="216000" indent="-214920">
               <a:lnSpc>
                 <a:spcPct val="115000"/>
               </a:lnSpc>
@@ -3605,7 +3605,7 @@
             </a:endParaRPr>
           </a:p>
           <a:p>
-            <a:pPr marL="216000" indent="-215280">
+            <a:pPr marL="216000" indent="-214920">
               <a:lnSpc>
                 <a:spcPct val="115000"/>
               </a:lnSpc>
@@ -3681,7 +3681,7 @@
         <p:spPr>
           <a:xfrm>
             <a:off x="504000" y="226080"/>
-            <a:ext cx="9068400" cy="943200"/>
+            <a:ext cx="9068040" cy="942840"/>
           </a:xfrm>
           <a:prstGeom prst="rect">
             <a:avLst/>
@@ -3732,7 +3732,7 @@
         <p:spPr>
           <a:xfrm>
             <a:off x="504000" y="1326600"/>
-            <a:ext cx="9068400" cy="3285000"/>
+            <a:ext cx="9068040" cy="3284640"/>
           </a:xfrm>
           <a:prstGeom prst="rect">
             <a:avLst/>
@@ -3753,7 +3753,7 @@
             <a:normAutofit/>
           </a:bodyPr>
           <a:p>
-            <a:pPr marL="432000" indent="-320760" algn="just">
+            <a:pPr marL="432000" indent="-320400" algn="just">
               <a:lnSpc>
                 <a:spcPct val="115000"/>
               </a:lnSpc>
@@ -3812,7 +3812,7 @@
             </a:endParaRPr>
           </a:p>
           <a:p>
-            <a:pPr marL="432000" indent="-320760" algn="just">
+            <a:pPr marL="432000" indent="-320400" algn="just">
               <a:lnSpc>
                 <a:spcPct val="115000"/>
               </a:lnSpc>
@@ -3865,7 +3865,7 @@
         <p:spPr>
           <a:xfrm>
             <a:off x="1890000" y="3683520"/>
-            <a:ext cx="6300000" cy="1715760"/>
+            <a:ext cx="6299640" cy="1715400"/>
           </a:xfrm>
           <a:prstGeom prst="rect">
             <a:avLst/>
@@ -3914,7 +3914,7 @@
         <p:spPr>
           <a:xfrm>
             <a:off x="504000" y="226080"/>
-            <a:ext cx="9068400" cy="943200"/>
+            <a:ext cx="9068040" cy="942840"/>
           </a:xfrm>
           <a:prstGeom prst="rect">
             <a:avLst/>
@@ -3965,7 +3965,7 @@
         <p:spPr>
           <a:xfrm>
             <a:off x="579600" y="1334160"/>
-            <a:ext cx="9068400" cy="4072680"/>
+            <a:ext cx="9068040" cy="4072320"/>
           </a:xfrm>
           <a:prstGeom prst="rect">
             <a:avLst/>
@@ -4039,7 +4039,7 @@
             </a:endParaRPr>
           </a:p>
           <a:p>
-            <a:pPr marL="432000" indent="-320760">
+            <a:pPr marL="432000" indent="-320400">
               <a:lnSpc>
                 <a:spcPct val="100000"/>
               </a:lnSpc>
@@ -4078,7 +4078,7 @@
             </a:endParaRPr>
           </a:p>
           <a:p>
-            <a:pPr marL="432000" indent="-320760">
+            <a:pPr marL="432000" indent="-320400">
               <a:lnSpc>
                 <a:spcPct val="100000"/>
               </a:lnSpc>
@@ -4117,7 +4117,7 @@
             </a:endParaRPr>
           </a:p>
           <a:p>
-            <a:pPr marL="432000" indent="-320760">
+            <a:pPr marL="432000" indent="-320400">
               <a:lnSpc>
                 <a:spcPct val="100000"/>
               </a:lnSpc>
@@ -4156,7 +4156,7 @@
             </a:endParaRPr>
           </a:p>
           <a:p>
-            <a:pPr marL="432000" indent="-320760">
+            <a:pPr marL="432000" indent="-320400">
               <a:lnSpc>
                 <a:spcPct val="100000"/>
               </a:lnSpc>
@@ -4195,7 +4195,7 @@
             </a:endParaRPr>
           </a:p>
           <a:p>
-            <a:pPr marL="432000" indent="-320760">
+            <a:pPr marL="432000" indent="-320400">
               <a:lnSpc>
                 <a:spcPct val="100000"/>
               </a:lnSpc>
@@ -4234,7 +4234,7 @@
             </a:endParaRPr>
           </a:p>
           <a:p>
-            <a:pPr marL="432000" indent="-320760">
+            <a:pPr marL="432000" indent="-320400">
               <a:lnSpc>
                 <a:spcPct val="100000"/>
               </a:lnSpc>
@@ -4273,7 +4273,7 @@
             </a:endParaRPr>
           </a:p>
           <a:p>
-            <a:pPr marL="432000" indent="-320760">
+            <a:pPr marL="432000" indent="-320400">
               <a:lnSpc>
                 <a:spcPct val="100000"/>
               </a:lnSpc>
@@ -4362,7 +4362,7 @@
         <p:spPr>
           <a:xfrm>
             <a:off x="504000" y="226080"/>
-            <a:ext cx="9068400" cy="943200"/>
+            <a:ext cx="9068040" cy="942840"/>
           </a:xfrm>
           <a:prstGeom prst="rect">
             <a:avLst/>
@@ -4413,7 +4413,7 @@
         <p:spPr>
           <a:xfrm>
             <a:off x="579600" y="1334160"/>
-            <a:ext cx="9068400" cy="4072680"/>
+            <a:ext cx="9068040" cy="4072320"/>
           </a:xfrm>
           <a:prstGeom prst="rect">
             <a:avLst/>
@@ -4487,7 +4487,7 @@
             </a:endParaRPr>
           </a:p>
           <a:p>
-            <a:pPr marL="432000" indent="-320760">
+            <a:pPr marL="432000" indent="-320400">
               <a:lnSpc>
                 <a:spcPct val="100000"/>
               </a:lnSpc>
@@ -4526,7 +4526,7 @@
             </a:endParaRPr>
           </a:p>
           <a:p>
-            <a:pPr marL="432000" indent="-320760">
+            <a:pPr marL="432000" indent="-320400">
               <a:lnSpc>
                 <a:spcPct val="100000"/>
               </a:lnSpc>
@@ -4565,7 +4565,7 @@
             </a:endParaRPr>
           </a:p>
           <a:p>
-            <a:pPr marL="432000" indent="-320760">
+            <a:pPr marL="432000" indent="-320400">
               <a:lnSpc>
                 <a:spcPct val="100000"/>
               </a:lnSpc>
@@ -4604,7 +4604,7 @@
             </a:endParaRPr>
           </a:p>
           <a:p>
-            <a:pPr marL="432000" indent="-320760">
+            <a:pPr marL="432000" indent="-320400">
               <a:lnSpc>
                 <a:spcPct val="100000"/>
               </a:lnSpc>
@@ -4643,7 +4643,7 @@
             </a:endParaRPr>
           </a:p>
           <a:p>
-            <a:pPr marL="432000" indent="-320760">
+            <a:pPr marL="432000" indent="-320400">
               <a:lnSpc>
                 <a:spcPct val="100000"/>
               </a:lnSpc>
@@ -4682,7 +4682,7 @@
             </a:endParaRPr>
           </a:p>
           <a:p>
-            <a:pPr marL="432000" indent="-320760">
+            <a:pPr marL="432000" indent="-320400">
               <a:lnSpc>
                 <a:spcPct val="100000"/>
               </a:lnSpc>
@@ -4721,7 +4721,7 @@
             </a:endParaRPr>
           </a:p>
           <a:p>
-            <a:pPr marL="432000" indent="-320760">
+            <a:pPr marL="432000" indent="-320400">
               <a:lnSpc>
                 <a:spcPct val="100000"/>
               </a:lnSpc>
@@ -4810,7 +4810,7 @@
         <p:spPr>
           <a:xfrm>
             <a:off x="504000" y="226080"/>
-            <a:ext cx="9068400" cy="943200"/>
+            <a:ext cx="9068040" cy="942840"/>
           </a:xfrm>
           <a:prstGeom prst="rect">
             <a:avLst/>
@@ -4861,7 +4861,7 @@
         <p:spPr>
           <a:xfrm>
             <a:off x="579600" y="1334160"/>
-            <a:ext cx="9068400" cy="4072680"/>
+            <a:ext cx="9068040" cy="4072320"/>
           </a:xfrm>
           <a:prstGeom prst="rect">
             <a:avLst/>
@@ -4935,7 +4935,7 @@
             </a:endParaRPr>
           </a:p>
           <a:p>
-            <a:pPr marL="432000" indent="-320760">
+            <a:pPr marL="432000" indent="-320400">
               <a:lnSpc>
                 <a:spcPct val="100000"/>
               </a:lnSpc>
@@ -4974,7 +4974,7 @@
             </a:endParaRPr>
           </a:p>
           <a:p>
-            <a:pPr marL="432000" indent="-320760">
+            <a:pPr marL="432000" indent="-320400">
               <a:lnSpc>
                 <a:spcPct val="100000"/>
               </a:lnSpc>
@@ -5013,7 +5013,7 @@
             </a:endParaRPr>
           </a:p>
           <a:p>
-            <a:pPr marL="432000" indent="-320760">
+            <a:pPr marL="432000" indent="-320400">
               <a:lnSpc>
                 <a:spcPct val="100000"/>
               </a:lnSpc>
@@ -5052,7 +5052,7 @@
             </a:endParaRPr>
           </a:p>
           <a:p>
-            <a:pPr marL="432000" indent="-320760">
+            <a:pPr marL="432000" indent="-320400">
               <a:lnSpc>
                 <a:spcPct val="100000"/>
               </a:lnSpc>
@@ -5091,7 +5091,7 @@
             </a:endParaRPr>
           </a:p>
           <a:p>
-            <a:pPr marL="432000" indent="-320760">
+            <a:pPr marL="432000" indent="-320400">
               <a:lnSpc>
                 <a:spcPct val="100000"/>
               </a:lnSpc>
@@ -5130,7 +5130,7 @@
             </a:endParaRPr>
           </a:p>
           <a:p>
-            <a:pPr marL="432000" indent="-320760">
+            <a:pPr marL="432000" indent="-320400">
               <a:lnSpc>
                 <a:spcPct val="100000"/>
               </a:lnSpc>
@@ -5169,7 +5169,7 @@
             </a:endParaRPr>
           </a:p>
           <a:p>
-            <a:pPr marL="432000" indent="-320760">
+            <a:pPr marL="432000" indent="-320400">
               <a:lnSpc>
                 <a:spcPct val="100000"/>
               </a:lnSpc>
@@ -5208,7 +5208,7 @@
             </a:endParaRPr>
           </a:p>
           <a:p>
-            <a:pPr marL="432000" indent="-320760">
+            <a:pPr marL="432000" indent="-320400">
               <a:lnSpc>
                 <a:spcPct val="100000"/>
               </a:lnSpc>
@@ -5297,7 +5297,7 @@
         <p:spPr>
           <a:xfrm>
             <a:off x="504000" y="226080"/>
-            <a:ext cx="9068400" cy="943200"/>
+            <a:ext cx="9068040" cy="942840"/>
           </a:xfrm>
           <a:prstGeom prst="rect">
             <a:avLst/>
@@ -5348,7 +5348,7 @@
         <p:spPr>
           <a:xfrm>
             <a:off x="579600" y="1334160"/>
-            <a:ext cx="9068400" cy="4072680"/>
+            <a:ext cx="9068040" cy="4072320"/>
           </a:xfrm>
           <a:prstGeom prst="rect">
             <a:avLst/>
@@ -5546,7 +5546,7 @@
                 <a:latin typeface="Times New Roman"/>
                 <a:ea typeface="DejaVu Sans"/>
               </a:rPr>
-              <a:t>Остановка всех запущенных контейнеров по списки ID этих контейнеров</a:t>
+              <a:t>Запуск команды в работающем контейнере</a:t>
             </a:r>
             <a:endParaRPr b="0" lang="ru-RU" sz="2000" spc="-1" strike="noStrike">
               <a:latin typeface="Arial"/>
@@ -5619,7 +5619,7 @@
         <p:spPr>
           <a:xfrm>
             <a:off x="504000" y="226080"/>
-            <a:ext cx="9068400" cy="943200"/>
+            <a:ext cx="9068040" cy="942840"/>
           </a:xfrm>
           <a:prstGeom prst="rect">
             <a:avLst/>
@@ -5670,7 +5670,7 @@
         <p:spPr>
           <a:xfrm>
             <a:off x="579600" y="1334160"/>
-            <a:ext cx="9068400" cy="4072680"/>
+            <a:ext cx="9068040" cy="4072320"/>
           </a:xfrm>
           <a:prstGeom prst="rect">
             <a:avLst/>
@@ -6001,7 +6001,7 @@
         <p:spPr>
           <a:xfrm>
             <a:off x="504000" y="226080"/>
-            <a:ext cx="9068400" cy="943200"/>
+            <a:ext cx="9068040" cy="942840"/>
           </a:xfrm>
           <a:prstGeom prst="rect">
             <a:avLst/>
@@ -6052,7 +6052,7 @@
         <p:spPr>
           <a:xfrm>
             <a:off x="504000" y="1326600"/>
-            <a:ext cx="5975280" cy="3712680"/>
+            <a:ext cx="5974920" cy="3712320"/>
           </a:xfrm>
           <a:prstGeom prst="rect">
             <a:avLst/>
@@ -6073,7 +6073,7 @@
             <a:normAutofit fontScale="70000"/>
           </a:bodyPr>
           <a:p>
-            <a:pPr marL="432000" indent="-320760">
+            <a:pPr marL="432000" indent="-320400">
               <a:lnSpc>
                 <a:spcPct val="150000"/>
               </a:lnSpc>
@@ -6099,7 +6099,7 @@
             </a:endParaRPr>
           </a:p>
           <a:p>
-            <a:pPr marL="432000" indent="-320760">
+            <a:pPr marL="432000" indent="-320400">
               <a:lnSpc>
                 <a:spcPct val="150000"/>
               </a:lnSpc>
@@ -6135,7 +6135,7 @@
             </a:endParaRPr>
           </a:p>
           <a:p>
-            <a:pPr marL="432000" indent="-320760">
+            <a:pPr marL="432000" indent="-320400">
               <a:lnSpc>
                 <a:spcPct val="150000"/>
               </a:lnSpc>
@@ -6161,7 +6161,7 @@
             </a:endParaRPr>
           </a:p>
           <a:p>
-            <a:pPr marL="432000" indent="-320760">
+            <a:pPr marL="432000" indent="-320400">
               <a:lnSpc>
                 <a:spcPct val="150000"/>
               </a:lnSpc>
@@ -6197,7 +6197,7 @@
             </a:endParaRPr>
           </a:p>
           <a:p>
-            <a:pPr marL="432000" indent="-320760">
+            <a:pPr marL="432000" indent="-320400">
               <a:lnSpc>
                 <a:spcPct val="150000"/>
               </a:lnSpc>
@@ -6223,7 +6223,7 @@
             </a:endParaRPr>
           </a:p>
           <a:p>
-            <a:pPr marL="432000" indent="-320760">
+            <a:pPr marL="432000" indent="-320400">
               <a:lnSpc>
                 <a:spcPct val="150000"/>
               </a:lnSpc>
@@ -6273,7 +6273,7 @@
         <p:spPr>
           <a:xfrm>
             <a:off x="6480000" y="1551960"/>
-            <a:ext cx="3283560" cy="2566440"/>
+            <a:ext cx="3283200" cy="2566080"/>
           </a:xfrm>
           <a:prstGeom prst="rect">
             <a:avLst/>
@@ -6292,7 +6292,7 @@
         <p:spPr>
           <a:xfrm>
             <a:off x="3600000" y="4860000"/>
-            <a:ext cx="3419280" cy="653400"/>
+            <a:ext cx="3418920" cy="653040"/>
           </a:xfrm>
           <a:prstGeom prst="rect">
             <a:avLst/>
@@ -6373,7 +6373,7 @@
         <p:spPr>
           <a:xfrm>
             <a:off x="504000" y="226080"/>
-            <a:ext cx="9068400" cy="943200"/>
+            <a:ext cx="9068040" cy="942840"/>
           </a:xfrm>
           <a:prstGeom prst="rect">
             <a:avLst/>
@@ -6424,7 +6424,7 @@
         <p:spPr>
           <a:xfrm>
             <a:off x="504000" y="1326600"/>
-            <a:ext cx="9068400" cy="3285000"/>
+            <a:ext cx="9068040" cy="3284640"/>
           </a:xfrm>
           <a:prstGeom prst="rect">
             <a:avLst/>
@@ -6475,7 +6475,7 @@
         <p:spPr>
           <a:xfrm>
             <a:off x="1038240" y="1260000"/>
-            <a:ext cx="3641040" cy="3964680"/>
+            <a:ext cx="3640680" cy="3964320"/>
           </a:xfrm>
           <a:prstGeom prst="rect">
             <a:avLst/>
@@ -6516,7 +6516,7 @@
             </a:endParaRPr>
           </a:p>
           <a:p>
-            <a:pPr marL="216000" indent="-215280">
+            <a:pPr marL="216000" indent="-214920">
               <a:lnSpc>
                 <a:spcPct val="150000"/>
               </a:lnSpc>
@@ -6542,7 +6542,7 @@
             </a:endParaRPr>
           </a:p>
           <a:p>
-            <a:pPr marL="216000" indent="-215280">
+            <a:pPr marL="216000" indent="-214920">
               <a:lnSpc>
                 <a:spcPct val="150000"/>
               </a:lnSpc>
@@ -6568,7 +6568,7 @@
             </a:endParaRPr>
           </a:p>
           <a:p>
-            <a:pPr marL="216000" indent="-215280">
+            <a:pPr marL="216000" indent="-214920">
               <a:lnSpc>
                 <a:spcPct val="150000"/>
               </a:lnSpc>
@@ -6594,7 +6594,7 @@
             </a:endParaRPr>
           </a:p>
           <a:p>
-            <a:pPr marL="216000" indent="-215280">
+            <a:pPr marL="216000" indent="-214920">
               <a:lnSpc>
                 <a:spcPct val="150000"/>
               </a:lnSpc>
@@ -6620,7 +6620,7 @@
             </a:endParaRPr>
           </a:p>
           <a:p>
-            <a:pPr marL="216000" indent="-215280">
+            <a:pPr marL="216000" indent="-214920">
               <a:lnSpc>
                 <a:spcPct val="150000"/>
               </a:lnSpc>
@@ -6646,7 +6646,7 @@
             </a:endParaRPr>
           </a:p>
           <a:p>
-            <a:pPr marL="216000" indent="-215280">
+            <a:pPr marL="216000" indent="-214920">
               <a:lnSpc>
                 <a:spcPct val="150000"/>
               </a:lnSpc>
@@ -6672,7 +6672,7 @@
             </a:endParaRPr>
           </a:p>
           <a:p>
-            <a:pPr marL="216000" indent="-215280">
+            <a:pPr marL="216000" indent="-214920">
               <a:lnSpc>
                 <a:spcPct val="150000"/>
               </a:lnSpc>
@@ -6708,7 +6708,7 @@
         <p:spPr>
           <a:xfrm>
             <a:off x="6120000" y="1326600"/>
-            <a:ext cx="3059280" cy="3325680"/>
+            <a:ext cx="3058920" cy="3325320"/>
           </a:xfrm>
           <a:prstGeom prst="rect">
             <a:avLst/>
@@ -6749,7 +6749,7 @@
             </a:endParaRPr>
           </a:p>
           <a:p>
-            <a:pPr marL="216000" indent="-215280">
+            <a:pPr marL="216000" indent="-214920">
               <a:lnSpc>
                 <a:spcPct val="150000"/>
               </a:lnSpc>
@@ -6775,7 +6775,7 @@
             </a:endParaRPr>
           </a:p>
           <a:p>
-            <a:pPr marL="216000" indent="-215280">
+            <a:pPr marL="216000" indent="-214920">
               <a:lnSpc>
                 <a:spcPct val="150000"/>
               </a:lnSpc>
@@ -6801,7 +6801,7 @@
             </a:endParaRPr>
           </a:p>
           <a:p>
-            <a:pPr marL="216000" indent="-215280">
+            <a:pPr marL="216000" indent="-214920">
               <a:lnSpc>
                 <a:spcPct val="150000"/>
               </a:lnSpc>
@@ -6827,7 +6827,7 @@
             </a:endParaRPr>
           </a:p>
           <a:p>
-            <a:pPr marL="216000" indent="-215280">
+            <a:pPr marL="216000" indent="-214920">
               <a:lnSpc>
                 <a:spcPct val="150000"/>
               </a:lnSpc>
@@ -6903,7 +6903,7 @@
         <p:spPr>
           <a:xfrm>
             <a:off x="504000" y="226080"/>
-            <a:ext cx="9068400" cy="943200"/>
+            <a:ext cx="9068040" cy="942840"/>
           </a:xfrm>
           <a:prstGeom prst="rect">
             <a:avLst/>
@@ -6954,7 +6954,7 @@
         <p:spPr>
           <a:xfrm>
             <a:off x="504000" y="1326600"/>
-            <a:ext cx="9068400" cy="3285000"/>
+            <a:ext cx="9068040" cy="3284640"/>
           </a:xfrm>
           <a:prstGeom prst="rect">
             <a:avLst/>
@@ -7005,7 +7005,7 @@
         <p:spPr>
           <a:xfrm>
             <a:off x="393120" y="1326600"/>
-            <a:ext cx="9179280" cy="1834920"/>
+            <a:ext cx="9178920" cy="1834560"/>
           </a:xfrm>
           <a:prstGeom prst="rect">
             <a:avLst/>
@@ -7110,7 +7110,7 @@
         <p:spPr>
           <a:xfrm>
             <a:off x="2430000" y="3240000"/>
-            <a:ext cx="5218920" cy="2422800"/>
+            <a:ext cx="5218560" cy="2422440"/>
           </a:xfrm>
           <a:prstGeom prst="rect">
             <a:avLst/>
@@ -7162,7 +7162,7 @@
         <p:spPr>
           <a:xfrm>
             <a:off x="504000" y="226080"/>
-            <a:ext cx="9068400" cy="943200"/>
+            <a:ext cx="9068040" cy="942840"/>
           </a:xfrm>
           <a:prstGeom prst="rect">
             <a:avLst/>
@@ -7213,7 +7213,7 @@
         <p:spPr>
           <a:xfrm>
             <a:off x="504000" y="1326600"/>
-            <a:ext cx="9068400" cy="3285000"/>
+            <a:ext cx="9068040" cy="3284640"/>
           </a:xfrm>
           <a:prstGeom prst="rect">
             <a:avLst/>
@@ -7264,7 +7264,7 @@
         <p:spPr>
           <a:xfrm>
             <a:off x="213120" y="1326600"/>
-            <a:ext cx="5186160" cy="4139280"/>
+            <a:ext cx="5185800" cy="4138920"/>
           </a:xfrm>
           <a:prstGeom prst="rect">
             <a:avLst/>
@@ -7315,7 +7315,7 @@
             </a:endParaRPr>
           </a:p>
           <a:p>
-            <a:pPr marL="216000" indent="-215280" algn="just">
+            <a:pPr marL="216000" indent="-214920" algn="just">
               <a:lnSpc>
                 <a:spcPct val="115000"/>
               </a:lnSpc>
@@ -7341,7 +7341,7 @@
             </a:endParaRPr>
           </a:p>
           <a:p>
-            <a:pPr marL="216000" indent="-215280" algn="just">
+            <a:pPr marL="216000" indent="-214920" algn="just">
               <a:lnSpc>
                 <a:spcPct val="115000"/>
               </a:lnSpc>
@@ -7381,7 +7381,7 @@
         <p:spPr>
           <a:xfrm>
             <a:off x="5580000" y="1620000"/>
-            <a:ext cx="4319280" cy="3379320"/>
+            <a:ext cx="4318920" cy="3378960"/>
           </a:xfrm>
           <a:prstGeom prst="rect">
             <a:avLst/>
@@ -7430,7 +7430,7 @@
         <p:spPr>
           <a:xfrm>
             <a:off x="504000" y="226080"/>
-            <a:ext cx="9068400" cy="943200"/>
+            <a:ext cx="9068040" cy="942840"/>
           </a:xfrm>
           <a:prstGeom prst="rect">
             <a:avLst/>
@@ -7481,7 +7481,7 @@
         <p:spPr>
           <a:xfrm>
             <a:off x="504000" y="1326600"/>
-            <a:ext cx="9068400" cy="3285000"/>
+            <a:ext cx="9068040" cy="3284640"/>
           </a:xfrm>
           <a:prstGeom prst="rect">
             <a:avLst/>
@@ -7532,7 +7532,7 @@
         <p:spPr>
           <a:xfrm>
             <a:off x="504000" y="1440000"/>
-            <a:ext cx="9179280" cy="3289320"/>
+            <a:ext cx="9178920" cy="3288960"/>
           </a:xfrm>
           <a:prstGeom prst="rect">
             <a:avLst/>
@@ -7553,7 +7553,7 @@
             <a:noAutofit/>
           </a:bodyPr>
           <a:p>
-            <a:pPr marL="216000" indent="-215280" algn="just">
+            <a:pPr marL="216000" indent="-214920" algn="just">
               <a:lnSpc>
                 <a:spcPct val="115000"/>
               </a:lnSpc>
@@ -7599,7 +7599,7 @@
             </a:endParaRPr>
           </a:p>
           <a:p>
-            <a:pPr marL="216000" indent="-215280" algn="just">
+            <a:pPr marL="216000" indent="-214920" algn="just">
               <a:lnSpc>
                 <a:spcPct val="115000"/>
               </a:lnSpc>
@@ -7645,7 +7645,7 @@
             </a:endParaRPr>
           </a:p>
           <a:p>
-            <a:pPr marL="216000" indent="-215280" algn="just">
+            <a:pPr marL="216000" indent="-214920" algn="just">
               <a:lnSpc>
                 <a:spcPct val="115000"/>
               </a:lnSpc>
@@ -7721,7 +7721,7 @@
         <p:spPr>
           <a:xfrm>
             <a:off x="504000" y="226080"/>
-            <a:ext cx="9068400" cy="943200"/>
+            <a:ext cx="9068040" cy="942840"/>
           </a:xfrm>
           <a:prstGeom prst="rect">
             <a:avLst/>
@@ -7772,7 +7772,7 @@
         <p:spPr>
           <a:xfrm>
             <a:off x="504000" y="1326600"/>
-            <a:ext cx="9068400" cy="3285000"/>
+            <a:ext cx="9068040" cy="3284640"/>
           </a:xfrm>
           <a:prstGeom prst="rect">
             <a:avLst/>
@@ -7827,7 +7827,7 @@
         <p:spPr>
           <a:xfrm>
             <a:off x="1515240" y="1440000"/>
-            <a:ext cx="7049520" cy="3673800"/>
+            <a:ext cx="7049160" cy="3673440"/>
           </a:xfrm>
           <a:prstGeom prst="rect">
             <a:avLst/>
@@ -7876,7 +7876,7 @@
         <p:spPr>
           <a:xfrm>
             <a:off x="504000" y="226080"/>
-            <a:ext cx="9068400" cy="943200"/>
+            <a:ext cx="9068040" cy="942840"/>
           </a:xfrm>
           <a:prstGeom prst="rect">
             <a:avLst/>
@@ -7927,7 +7927,7 @@
         <p:spPr>
           <a:xfrm>
             <a:off x="504000" y="1326600"/>
-            <a:ext cx="9068400" cy="3285000"/>
+            <a:ext cx="9068040" cy="3284640"/>
           </a:xfrm>
           <a:prstGeom prst="rect">
             <a:avLst/>
@@ -7978,7 +7978,7 @@
         <p:spPr>
           <a:xfrm>
             <a:off x="540360" y="1322280"/>
-            <a:ext cx="9179280" cy="1377360"/>
+            <a:ext cx="9178920" cy="1377000"/>
           </a:xfrm>
           <a:prstGeom prst="rect">
             <a:avLst/>
@@ -7999,7 +7999,7 @@
             <a:noAutofit/>
           </a:bodyPr>
           <a:p>
-            <a:pPr marL="216000" indent="-215280" algn="just">
+            <a:pPr marL="216000" indent="-214920" algn="just">
               <a:lnSpc>
                 <a:spcPct val="115000"/>
               </a:lnSpc>
@@ -8049,7 +8049,7 @@
         <p:spPr>
           <a:xfrm>
             <a:off x="2649960" y="2791440"/>
-            <a:ext cx="4780800" cy="2428200"/>
+            <a:ext cx="4780440" cy="2427840"/>
           </a:xfrm>
           <a:prstGeom prst="rect">
             <a:avLst/>
@@ -8098,7 +8098,7 @@
         <p:spPr>
           <a:xfrm>
             <a:off x="504000" y="226080"/>
-            <a:ext cx="9068400" cy="943200"/>
+            <a:ext cx="9068040" cy="942840"/>
           </a:xfrm>
           <a:prstGeom prst="rect">
             <a:avLst/>
@@ -8149,7 +8149,7 @@
         <p:spPr>
           <a:xfrm>
             <a:off x="504000" y="1326600"/>
-            <a:ext cx="9068400" cy="3285000"/>
+            <a:ext cx="9068040" cy="3284640"/>
           </a:xfrm>
           <a:prstGeom prst="rect">
             <a:avLst/>
@@ -8200,7 +8200,7 @@
         <p:spPr>
           <a:xfrm>
             <a:off x="360360" y="1390320"/>
-            <a:ext cx="9179280" cy="3289320"/>
+            <a:ext cx="9178920" cy="3288960"/>
           </a:xfrm>
           <a:prstGeom prst="rect">
             <a:avLst/>
@@ -8221,7 +8221,7 @@
             <a:noAutofit/>
           </a:bodyPr>
           <a:p>
-            <a:pPr marL="216000" indent="-215280" algn="just">
+            <a:pPr marL="216000" indent="-214920" algn="just">
               <a:lnSpc>
                 <a:spcPct val="115000"/>
               </a:lnSpc>
@@ -8277,7 +8277,7 @@
             </a:endParaRPr>
           </a:p>
           <a:p>
-            <a:pPr marL="216000" indent="-215280" algn="just">
+            <a:pPr marL="216000" indent="-214920" algn="just">
               <a:lnSpc>
                 <a:spcPct val="115000"/>
               </a:lnSpc>
@@ -8323,7 +8323,7 @@
             </a:endParaRPr>
           </a:p>
           <a:p>
-            <a:pPr marL="216000" indent="-215280" algn="just">
+            <a:pPr marL="216000" indent="-214920" algn="just">
               <a:lnSpc>
                 <a:spcPct val="115000"/>
               </a:lnSpc>
